--- a/Poster/Poster_Yilun_Dai.pptx
+++ b/Poster/Poster_Yilun_Dai.pptx
@@ -5064,7 +5064,7 @@
               <a:graphicData uri="http://schemas.openxmlformats.org/presentationml/2006/ole">
                 <mc:AlternateContent xmlns:mc="http://schemas.openxmlformats.org/markup-compatibility/2006">
                   <mc:Choice xmlns:v="urn:schemas-microsoft-com:vml" Requires="v">
-                    <p:oleObj spid="_x0000_s1282" name="Image" r:id="rId8" imgW="1828440" imgH="1117440" progId="Photoshop.Image.13">
+                    <p:oleObj spid="_x0000_s1286" name="Image" r:id="rId8" imgW="1828440" imgH="1117440" progId="Photoshop.Image.13">
                       <p:embed/>
                     </p:oleObj>
                   </mc:Choice>
@@ -5121,7 +5121,7 @@
               <a:graphicData uri="http://schemas.openxmlformats.org/presentationml/2006/ole">
                 <mc:AlternateContent xmlns:mc="http://schemas.openxmlformats.org/markup-compatibility/2006">
                   <mc:Choice xmlns:v="urn:schemas-microsoft-com:vml" Requires="v">
-                    <p:oleObj spid="_x0000_s1283" name="Image" r:id="rId10" imgW="1828440" imgH="1117440" progId="Photoshop.Image.13">
+                    <p:oleObj spid="_x0000_s1287" name="Image" r:id="rId10" imgW="1828440" imgH="1117440" progId="Photoshop.Image.13">
                       <p:embed/>
                     </p:oleObj>
                   </mc:Choice>
@@ -6249,7 +6249,7 @@
             <a:graphicData uri="http://schemas.openxmlformats.org/presentationml/2006/ole">
               <mc:AlternateContent xmlns:mc="http://schemas.openxmlformats.org/markup-compatibility/2006">
                 <mc:Choice xmlns:v="urn:schemas-microsoft-com:vml" Requires="v">
-                  <p:oleObj spid="_x0000_s1284" name="Image" r:id="rId12" imgW="4571280" imgH="1688760" progId="Photoshop.Image.13">
+                  <p:oleObj spid="_x0000_s1288" name="Image" r:id="rId12" imgW="4571280" imgH="1688760" progId="Photoshop.Image.13">
                     <p:embed/>
                   </p:oleObj>
                 </mc:Choice>
@@ -6333,7 +6333,7 @@
             <a:graphicData uri="http://schemas.openxmlformats.org/presentationml/2006/ole">
               <mc:AlternateContent xmlns:mc="http://schemas.openxmlformats.org/markup-compatibility/2006">
                 <mc:Choice xmlns:v="urn:schemas-microsoft-com:vml" Requires="v">
-                  <p:oleObj spid="_x0000_s1285" name="Image" r:id="rId15" imgW="1574280" imgH="1053720" progId="Photoshop.Image.13">
+                  <p:oleObj spid="_x0000_s1289" name="Image" r:id="rId15" imgW="1574280" imgH="1053720" progId="Photoshop.Image.13">
                     <p:embed/>
                   </p:oleObj>
                 </mc:Choice>
@@ -12420,7 +12420,7 @@
             <a:graphicData uri="http://schemas.openxmlformats.org/presentationml/2006/ole">
               <mc:AlternateContent xmlns:mc="http://schemas.openxmlformats.org/markup-compatibility/2006">
                 <mc:Choice xmlns:v="urn:schemas-microsoft-com:vml" Requires="v">
-                  <p:oleObj spid="_x0000_s2290" name="Image" r:id="rId4" imgW="4571280" imgH="1688760" progId="Photoshop.Image.13">
+                  <p:oleObj spid="_x0000_s2294" name="Image" r:id="rId4" imgW="4571280" imgH="1688760" progId="Photoshop.Image.13">
                     <p:embed/>
                   </p:oleObj>
                 </mc:Choice>
@@ -12504,7 +12504,7 @@
             <a:graphicData uri="http://schemas.openxmlformats.org/presentationml/2006/ole">
               <mc:AlternateContent xmlns:mc="http://schemas.openxmlformats.org/markup-compatibility/2006">
                 <mc:Choice xmlns:v="urn:schemas-microsoft-com:vml" Requires="v">
-                  <p:oleObj spid="_x0000_s2291" name="Image" r:id="rId7" imgW="1574280" imgH="1053720" progId="Photoshop.Image.13">
+                  <p:oleObj spid="_x0000_s2295" name="Image" r:id="rId7" imgW="1574280" imgH="1053720" progId="Photoshop.Image.13">
                     <p:embed/>
                   </p:oleObj>
                 </mc:Choice>
@@ -14044,7 +14044,7 @@
               <a:graphicData uri="http://schemas.openxmlformats.org/presentationml/2006/ole">
                 <mc:AlternateContent xmlns:mc="http://schemas.openxmlformats.org/markup-compatibility/2006">
                   <mc:Choice xmlns:v="urn:schemas-microsoft-com:vml" Requires="v">
-                    <p:oleObj spid="_x0000_s2292" name="Image" r:id="rId15" imgW="1828440" imgH="1117440" progId="Photoshop.Image.13">
+                    <p:oleObj spid="_x0000_s2296" name="Image" r:id="rId15" imgW="1828440" imgH="1117440" progId="Photoshop.Image.13">
                       <p:embed/>
                     </p:oleObj>
                   </mc:Choice>
@@ -14101,7 +14101,7 @@
               <a:graphicData uri="http://schemas.openxmlformats.org/presentationml/2006/ole">
                 <mc:AlternateContent xmlns:mc="http://schemas.openxmlformats.org/markup-compatibility/2006">
                   <mc:Choice xmlns:v="urn:schemas-microsoft-com:vml" Requires="v">
-                    <p:oleObj spid="_x0000_s2293" name="Image" r:id="rId17" imgW="1828440" imgH="1117440" progId="Photoshop.Image.13">
+                    <p:oleObj spid="_x0000_s2297" name="Image" r:id="rId17" imgW="1828440" imgH="1117440" progId="Photoshop.Image.13">
                       <p:embed/>
                     </p:oleObj>
                   </mc:Choice>
@@ -20063,7 +20063,7 @@
             <a:graphicData uri="http://schemas.openxmlformats.org/presentationml/2006/ole">
               <mc:AlternateContent xmlns:mc="http://schemas.openxmlformats.org/markup-compatibility/2006">
                 <mc:Choice xmlns:v="urn:schemas-microsoft-com:vml" Requires="v">
-                  <p:oleObj spid="_x0000_s3310" name="Image" r:id="rId4" imgW="4571280" imgH="1688760" progId="Photoshop.Image.13">
+                  <p:oleObj spid="_x0000_s3314" name="Image" r:id="rId4" imgW="4571280" imgH="1688760" progId="Photoshop.Image.13">
                     <p:embed/>
                   </p:oleObj>
                 </mc:Choice>
@@ -20147,7 +20147,7 @@
             <a:graphicData uri="http://schemas.openxmlformats.org/presentationml/2006/ole">
               <mc:AlternateContent xmlns:mc="http://schemas.openxmlformats.org/markup-compatibility/2006">
                 <mc:Choice xmlns:v="urn:schemas-microsoft-com:vml" Requires="v">
-                  <p:oleObj spid="_x0000_s3311" name="Image" r:id="rId7" imgW="1574280" imgH="1053720" progId="Photoshop.Image.13">
+                  <p:oleObj spid="_x0000_s3315" name="Image" r:id="rId7" imgW="1574280" imgH="1053720" progId="Photoshop.Image.13">
                     <p:embed/>
                   </p:oleObj>
                 </mc:Choice>
@@ -21687,7 +21687,7 @@
               <a:graphicData uri="http://schemas.openxmlformats.org/presentationml/2006/ole">
                 <mc:AlternateContent xmlns:mc="http://schemas.openxmlformats.org/markup-compatibility/2006">
                   <mc:Choice xmlns:v="urn:schemas-microsoft-com:vml" Requires="v">
-                    <p:oleObj spid="_x0000_s3312" name="Image" r:id="rId15" imgW="1828440" imgH="1117440" progId="Photoshop.Image.13">
+                    <p:oleObj spid="_x0000_s3316" name="Image" r:id="rId15" imgW="1828440" imgH="1117440" progId="Photoshop.Image.13">
                       <p:embed/>
                     </p:oleObj>
                   </mc:Choice>
@@ -21744,7 +21744,7 @@
               <a:graphicData uri="http://schemas.openxmlformats.org/presentationml/2006/ole">
                 <mc:AlternateContent xmlns:mc="http://schemas.openxmlformats.org/markup-compatibility/2006">
                   <mc:Choice xmlns:v="urn:schemas-microsoft-com:vml" Requires="v">
-                    <p:oleObj spid="_x0000_s3313" name="Image" r:id="rId17" imgW="1828440" imgH="1117440" progId="Photoshop.Image.13">
+                    <p:oleObj spid="_x0000_s3317" name="Image" r:id="rId17" imgW="1828440" imgH="1117440" progId="Photoshop.Image.13">
                       <p:embed/>
                     </p:oleObj>
                   </mc:Choice>
@@ -27638,7 +27638,7 @@
         </p:nvSpPr>
         <p:spPr>
           <a:xfrm>
-            <a:off x="279309" y="30107661"/>
+            <a:off x="459674" y="29786938"/>
             <a:ext cx="10056813" cy="1231084"/>
           </a:xfrm>
         </p:spPr>

--- a/Poster/Poster_Yilun_Dai.pptx
+++ b/Poster/Poster_Yilun_Dai.pptx
@@ -282,7 +282,7 @@
             <a:fld id="{0158C5BC-9A70-462C-B28D-9600239EAC64}" type="datetimeFigureOut">
               <a:rPr lang="en-US" smtClean="0"/>
               <a:pPr/>
-              <a:t>5/28/18</a:t>
+              <a:t>5/29/18</a:t>
             </a:fld>
             <a:endParaRPr lang="en-US"/>
           </a:p>
@@ -449,7 +449,7 @@
             <a:fld id="{E6CC2317-6751-4CD4-9995-8782DD78E936}" type="datetimeFigureOut">
               <a:rPr lang="en-US" smtClean="0"/>
               <a:pPr/>
-              <a:t>5/28/18</a:t>
+              <a:t>5/29/18</a:t>
             </a:fld>
             <a:endParaRPr lang="en-US" dirty="0"/>
           </a:p>
@@ -5064,7 +5064,7 @@
               <a:graphicData uri="http://schemas.openxmlformats.org/presentationml/2006/ole">
                 <mc:AlternateContent xmlns:mc="http://schemas.openxmlformats.org/markup-compatibility/2006">
                   <mc:Choice xmlns:v="urn:schemas-microsoft-com:vml" Requires="v">
-                    <p:oleObj spid="_x0000_s1286" name="Image" r:id="rId8" imgW="1828440" imgH="1117440" progId="Photoshop.Image.13">
+                    <p:oleObj spid="_x0000_s1303" name="Image" r:id="rId8" imgW="1828440" imgH="1117440" progId="Photoshop.Image.13">
                       <p:embed/>
                     </p:oleObj>
                   </mc:Choice>
@@ -5121,7 +5121,7 @@
               <a:graphicData uri="http://schemas.openxmlformats.org/presentationml/2006/ole">
                 <mc:AlternateContent xmlns:mc="http://schemas.openxmlformats.org/markup-compatibility/2006">
                   <mc:Choice xmlns:v="urn:schemas-microsoft-com:vml" Requires="v">
-                    <p:oleObj spid="_x0000_s1287" name="Image" r:id="rId10" imgW="1828440" imgH="1117440" progId="Photoshop.Image.13">
+                    <p:oleObj spid="_x0000_s1304" name="Image" r:id="rId10" imgW="1828440" imgH="1117440" progId="Photoshop.Image.13">
                       <p:embed/>
                     </p:oleObj>
                   </mc:Choice>
@@ -6249,7 +6249,7 @@
             <a:graphicData uri="http://schemas.openxmlformats.org/presentationml/2006/ole">
               <mc:AlternateContent xmlns:mc="http://schemas.openxmlformats.org/markup-compatibility/2006">
                 <mc:Choice xmlns:v="urn:schemas-microsoft-com:vml" Requires="v">
-                  <p:oleObj spid="_x0000_s1288" name="Image" r:id="rId12" imgW="4571280" imgH="1688760" progId="Photoshop.Image.13">
+                  <p:oleObj spid="_x0000_s1305" name="Image" r:id="rId12" imgW="4571280" imgH="1688760" progId="Photoshop.Image.13">
                     <p:embed/>
                   </p:oleObj>
                 </mc:Choice>
@@ -6333,7 +6333,7 @@
             <a:graphicData uri="http://schemas.openxmlformats.org/presentationml/2006/ole">
               <mc:AlternateContent xmlns:mc="http://schemas.openxmlformats.org/markup-compatibility/2006">
                 <mc:Choice xmlns:v="urn:schemas-microsoft-com:vml" Requires="v">
-                  <p:oleObj spid="_x0000_s1289" name="Image" r:id="rId15" imgW="1574280" imgH="1053720" progId="Photoshop.Image.13">
+                  <p:oleObj spid="_x0000_s1306" name="Image" r:id="rId15" imgW="1574280" imgH="1053720" progId="Photoshop.Image.13">
                     <p:embed/>
                   </p:oleObj>
                 </mc:Choice>
@@ -12420,7 +12420,7 @@
             <a:graphicData uri="http://schemas.openxmlformats.org/presentationml/2006/ole">
               <mc:AlternateContent xmlns:mc="http://schemas.openxmlformats.org/markup-compatibility/2006">
                 <mc:Choice xmlns:v="urn:schemas-microsoft-com:vml" Requires="v">
-                  <p:oleObj spid="_x0000_s2294" name="Image" r:id="rId4" imgW="4571280" imgH="1688760" progId="Photoshop.Image.13">
+                  <p:oleObj spid="_x0000_s2311" name="Image" r:id="rId4" imgW="4571280" imgH="1688760" progId="Photoshop.Image.13">
                     <p:embed/>
                   </p:oleObj>
                 </mc:Choice>
@@ -12504,7 +12504,7 @@
             <a:graphicData uri="http://schemas.openxmlformats.org/presentationml/2006/ole">
               <mc:AlternateContent xmlns:mc="http://schemas.openxmlformats.org/markup-compatibility/2006">
                 <mc:Choice xmlns:v="urn:schemas-microsoft-com:vml" Requires="v">
-                  <p:oleObj spid="_x0000_s2295" name="Image" r:id="rId7" imgW="1574280" imgH="1053720" progId="Photoshop.Image.13">
+                  <p:oleObj spid="_x0000_s2312" name="Image" r:id="rId7" imgW="1574280" imgH="1053720" progId="Photoshop.Image.13">
                     <p:embed/>
                   </p:oleObj>
                 </mc:Choice>
@@ -14044,7 +14044,7 @@
               <a:graphicData uri="http://schemas.openxmlformats.org/presentationml/2006/ole">
                 <mc:AlternateContent xmlns:mc="http://schemas.openxmlformats.org/markup-compatibility/2006">
                   <mc:Choice xmlns:v="urn:schemas-microsoft-com:vml" Requires="v">
-                    <p:oleObj spid="_x0000_s2296" name="Image" r:id="rId15" imgW="1828440" imgH="1117440" progId="Photoshop.Image.13">
+                    <p:oleObj spid="_x0000_s2313" name="Image" r:id="rId15" imgW="1828440" imgH="1117440" progId="Photoshop.Image.13">
                       <p:embed/>
                     </p:oleObj>
                   </mc:Choice>
@@ -14101,7 +14101,7 @@
               <a:graphicData uri="http://schemas.openxmlformats.org/presentationml/2006/ole">
                 <mc:AlternateContent xmlns:mc="http://schemas.openxmlformats.org/markup-compatibility/2006">
                   <mc:Choice xmlns:v="urn:schemas-microsoft-com:vml" Requires="v">
-                    <p:oleObj spid="_x0000_s2297" name="Image" r:id="rId17" imgW="1828440" imgH="1117440" progId="Photoshop.Image.13">
+                    <p:oleObj spid="_x0000_s2314" name="Image" r:id="rId17" imgW="1828440" imgH="1117440" progId="Photoshop.Image.13">
                       <p:embed/>
                     </p:oleObj>
                   </mc:Choice>
@@ -20063,7 +20063,7 @@
             <a:graphicData uri="http://schemas.openxmlformats.org/presentationml/2006/ole">
               <mc:AlternateContent xmlns:mc="http://schemas.openxmlformats.org/markup-compatibility/2006">
                 <mc:Choice xmlns:v="urn:schemas-microsoft-com:vml" Requires="v">
-                  <p:oleObj spid="_x0000_s3314" name="Image" r:id="rId4" imgW="4571280" imgH="1688760" progId="Photoshop.Image.13">
+                  <p:oleObj spid="_x0000_s3331" name="Image" r:id="rId4" imgW="4571280" imgH="1688760" progId="Photoshop.Image.13">
                     <p:embed/>
                   </p:oleObj>
                 </mc:Choice>
@@ -20147,7 +20147,7 @@
             <a:graphicData uri="http://schemas.openxmlformats.org/presentationml/2006/ole">
               <mc:AlternateContent xmlns:mc="http://schemas.openxmlformats.org/markup-compatibility/2006">
                 <mc:Choice xmlns:v="urn:schemas-microsoft-com:vml" Requires="v">
-                  <p:oleObj spid="_x0000_s3315" name="Image" r:id="rId7" imgW="1574280" imgH="1053720" progId="Photoshop.Image.13">
+                  <p:oleObj spid="_x0000_s3332" name="Image" r:id="rId7" imgW="1574280" imgH="1053720" progId="Photoshop.Image.13">
                     <p:embed/>
                   </p:oleObj>
                 </mc:Choice>
@@ -21687,7 +21687,7 @@
               <a:graphicData uri="http://schemas.openxmlformats.org/presentationml/2006/ole">
                 <mc:AlternateContent xmlns:mc="http://schemas.openxmlformats.org/markup-compatibility/2006">
                   <mc:Choice xmlns:v="urn:schemas-microsoft-com:vml" Requires="v">
-                    <p:oleObj spid="_x0000_s3316" name="Image" r:id="rId15" imgW="1828440" imgH="1117440" progId="Photoshop.Image.13">
+                    <p:oleObj spid="_x0000_s3333" name="Image" r:id="rId15" imgW="1828440" imgH="1117440" progId="Photoshop.Image.13">
                       <p:embed/>
                     </p:oleObj>
                   </mc:Choice>
@@ -21744,7 +21744,7 @@
               <a:graphicData uri="http://schemas.openxmlformats.org/presentationml/2006/ole">
                 <mc:AlternateContent xmlns:mc="http://schemas.openxmlformats.org/markup-compatibility/2006">
                   <mc:Choice xmlns:v="urn:schemas-microsoft-com:vml" Requires="v">
-                    <p:oleObj spid="_x0000_s3317" name="Image" r:id="rId17" imgW="1828440" imgH="1117440" progId="Photoshop.Image.13">
+                    <p:oleObj spid="_x0000_s3334" name="Image" r:id="rId17" imgW="1828440" imgH="1117440" progId="Photoshop.Image.13">
                       <p:embed/>
                     </p:oleObj>
                   </mc:Choice>
@@ -26884,13 +26884,7 @@
               <a:rPr lang="en-US" dirty="0" smtClean="0">
                 <a:latin typeface="+mn-lt"/>
               </a:rPr>
-              <a:t>” in recent years using computational tools. This research uses computational tools and constructs statistical models to examine factors that are likely to cause this </a:t>
-            </a:r>
-            <a:r>
-              <a:rPr lang="en-US" dirty="0" smtClean="0">
-                <a:latin typeface="+mn-lt"/>
-              </a:rPr>
-              <a:t>change and to provide functional explanations for the change. </a:t>
+              <a:t>” in recent years using computational tools. This research uses computational tools and constructs statistical models to examine factors that are likely to cause this change and to provide functional explanations for the change. </a:t>
             </a:r>
             <a:endParaRPr lang="en-US" dirty="0">
               <a:latin typeface="+mn-lt"/>
@@ -27578,34 +27572,16 @@
               <a:rPr lang="en-US" dirty="0" smtClean="0">
                 <a:latin typeface="+mn-lt"/>
               </a:rPr>
-              <a:t>Social Sciences </a:t>
+              <a:t>Social Sciences Division, </a:t>
             </a:r>
-            <a:r>
-              <a:rPr lang="en-US" dirty="0" smtClean="0">
-                <a:latin typeface="+mn-lt"/>
-              </a:rPr>
-              <a:t>Division, </a:t>
-            </a:r>
-            <a:endParaRPr lang="en-US" dirty="0" smtClean="0">
-              <a:latin typeface="+mn-lt"/>
-            </a:endParaRPr>
           </a:p>
           <a:p>
             <a:r>
               <a:rPr lang="en-US" dirty="0" smtClean="0">
                 <a:latin typeface="+mn-lt"/>
               </a:rPr>
-              <a:t>The University of </a:t>
+              <a:t>The University of Chicago</a:t>
             </a:r>
-            <a:r>
-              <a:rPr lang="en-US" dirty="0" smtClean="0">
-                <a:latin typeface="+mn-lt"/>
-              </a:rPr>
-              <a:t>Chicago</a:t>
-            </a:r>
-            <a:endParaRPr lang="en-US" dirty="0" smtClean="0">
-              <a:latin typeface="+mn-lt"/>
-            </a:endParaRPr>
           </a:p>
           <a:p>
             <a:r>
@@ -27707,8 +27683,12 @@
               <a:t>TOLERANT </a:t>
             </a:r>
             <a:r>
-              <a:rPr lang="en-US" dirty="0"/>
-              <a:t>ON </a:t>
+              <a:rPr lang="en-US" dirty="0" smtClean="0"/>
+              <a:t>OF</a:t>
+            </a:r>
+            <a:r>
+              <a:rPr lang="en-US" dirty="0" smtClean="0"/>
+              <a:t> </a:t>
             </a:r>
             <a:r>
               <a:rPr lang="en-US" dirty="0" smtClean="0"/>
@@ -27759,7 +27739,7 @@
       </p:pic>
       <p:pic>
         <p:nvPicPr>
-          <p:cNvPr id="21" name="Picture 20"/>
+          <p:cNvPr id="22" name="Picture 21"/>
           <p:cNvPicPr>
             <a:picLocks noChangeAspect="1"/>
           </p:cNvPicPr>
@@ -27767,36 +27747,6 @@
         </p:nvPicPr>
         <p:blipFill>
           <a:blip r:embed="rId3">
-            <a:extLst>
-              <a:ext uri="{28A0092B-C50C-407E-A947-70E740481C1C}">
-                <a14:useLocalDpi xmlns:a14="http://schemas.microsoft.com/office/drawing/2010/main" val="0"/>
-              </a:ext>
-            </a:extLst>
-          </a:blip>
-          <a:stretch>
-            <a:fillRect/>
-          </a:stretch>
-        </p:blipFill>
-        <p:spPr>
-          <a:xfrm>
-            <a:off x="1266587" y="14136752"/>
-            <a:ext cx="8471353" cy="5230752"/>
-          </a:xfrm>
-          <a:prstGeom prst="rect">
-            <a:avLst/>
-          </a:prstGeom>
-        </p:spPr>
-      </p:pic>
-      <p:pic>
-        <p:nvPicPr>
-          <p:cNvPr id="22" name="Picture 21"/>
-          <p:cNvPicPr>
-            <a:picLocks noChangeAspect="1"/>
-          </p:cNvPicPr>
-          <p:nvPr/>
-        </p:nvPicPr>
-        <p:blipFill>
-          <a:blip r:embed="rId4">
             <a:extLst>
               <a:ext uri="{28A0092B-C50C-407E-A947-70E740481C1C}">
                 <a14:useLocalDpi xmlns:a14="http://schemas.microsoft.com/office/drawing/2010/main" val="0"/>
@@ -27826,7 +27776,7 @@
           <p:nvPr/>
         </p:nvPicPr>
         <p:blipFill>
-          <a:blip r:embed="rId5">
+          <a:blip r:embed="rId4">
             <a:extLst>
               <a:ext uri="{28A0092B-C50C-407E-A947-70E740481C1C}">
                 <a14:useLocalDpi xmlns:a14="http://schemas.microsoft.com/office/drawing/2010/main" val="0"/>
@@ -28024,7 +27974,7 @@
           <p:nvPr/>
         </p:nvPicPr>
         <p:blipFill>
-          <a:blip r:embed="rId6">
+          <a:blip r:embed="rId5">
             <a:extLst>
               <a:ext uri="{28A0092B-C50C-407E-A947-70E740481C1C}">
                 <a14:useLocalDpi xmlns:a14="http://schemas.microsoft.com/office/drawing/2010/main" val="0"/>
@@ -28126,7 +28076,7 @@
           <p:nvPr/>
         </p:nvPicPr>
         <p:blipFill>
-          <a:blip r:embed="rId7">
+          <a:blip r:embed="rId6">
             <a:extLst>
               <a:ext uri="{28A0092B-C50C-407E-A947-70E740481C1C}">
                 <a14:useLocalDpi xmlns:a14="http://schemas.microsoft.com/office/drawing/2010/main" val="0"/>
@@ -28192,7 +28142,7 @@
           <p:nvPr/>
         </p:nvPicPr>
         <p:blipFill>
-          <a:blip r:embed="rId8">
+          <a:blip r:embed="rId7">
             <a:extLst>
               <a:ext uri="{28A0092B-C50C-407E-A947-70E740481C1C}">
                 <a14:useLocalDpi xmlns:a14="http://schemas.microsoft.com/office/drawing/2010/main" val="0"/>
@@ -28222,7 +28172,7 @@
           <p:nvPr/>
         </p:nvPicPr>
         <p:blipFill>
-          <a:blip r:embed="rId9">
+          <a:blip r:embed="rId8">
             <a:extLst>
               <a:ext uri="{28A0092B-C50C-407E-A947-70E740481C1C}">
                 <a14:useLocalDpi xmlns:a14="http://schemas.microsoft.com/office/drawing/2010/main" val="0"/>
@@ -28252,7 +28202,7 @@
           <p:nvPr/>
         </p:nvPicPr>
         <p:blipFill>
-          <a:blip r:embed="rId10">
+          <a:blip r:embed="rId9">
             <a:extLst>
               <a:ext uri="{28A0092B-C50C-407E-A947-70E740481C1C}">
                 <a14:useLocalDpi xmlns:a14="http://schemas.microsoft.com/office/drawing/2010/main" val="0"/>
@@ -28282,7 +28232,7 @@
           <p:nvPr/>
         </p:nvPicPr>
         <p:blipFill rotWithShape="1">
-          <a:blip r:embed="rId11">
+          <a:blip r:embed="rId10">
             <a:extLst>
               <a:ext uri="{28A0092B-C50C-407E-A947-70E740481C1C}">
                 <a14:useLocalDpi xmlns:a14="http://schemas.microsoft.com/office/drawing/2010/main" val="0"/>
@@ -28389,7 +28339,7 @@
           <p:nvPr/>
         </p:nvPicPr>
         <p:blipFill rotWithShape="1">
-          <a:blip r:embed="rId12">
+          <a:blip r:embed="rId11">
             <a:extLst>
               <a:ext uri="{28A0092B-C50C-407E-A947-70E740481C1C}">
                 <a14:useLocalDpi xmlns:a14="http://schemas.microsoft.com/office/drawing/2010/main" val="0"/>
@@ -28465,7 +28415,7 @@
           <p:nvPr/>
         </p:nvPicPr>
         <p:blipFill rotWithShape="1">
-          <a:blip r:embed="rId13">
+          <a:blip r:embed="rId12">
             <a:extLst>
               <a:ext uri="{28A0092B-C50C-407E-A947-70E740481C1C}">
                 <a14:useLocalDpi xmlns:a14="http://schemas.microsoft.com/office/drawing/2010/main" val="0"/>
@@ -28676,11 +28626,15 @@
           <a:p>
             <a:r>
               <a:rPr lang="en-US" sz="2500" dirty="0" smtClean="0"/>
-              <a:t>Residuals are stable, </a:t>
+              <a:t>Residuals are stable</a:t>
             </a:r>
             <a:r>
-              <a:rPr lang="en-US" sz="2500" dirty="0" err="1" smtClean="0"/>
-              <a:t>radom</a:t>
+              <a:rPr lang="en-US" sz="2500" smtClean="0"/>
+              <a:t>, </a:t>
+            </a:r>
+            <a:r>
+              <a:rPr lang="en-US" sz="2500" smtClean="0"/>
+              <a:t>random</a:t>
             </a:r>
             <a:r>
               <a:rPr lang="en-US" sz="2500" dirty="0" smtClean="0"/>
@@ -28699,7 +28653,7 @@
           <p:nvPr/>
         </p:nvPicPr>
         <p:blipFill rotWithShape="1">
-          <a:blip r:embed="rId14">
+          <a:blip r:embed="rId13">
             <a:extLst>
               <a:ext uri="{28A0092B-C50C-407E-A947-70E740481C1C}">
                 <a14:useLocalDpi xmlns:a14="http://schemas.microsoft.com/office/drawing/2010/main" val="0"/>
@@ -28728,7 +28682,7 @@
           <p:nvPr/>
         </p:nvPicPr>
         <p:blipFill rotWithShape="1">
-          <a:blip r:embed="rId15">
+          <a:blip r:embed="rId14">
             <a:extLst>
               <a:ext uri="{28A0092B-C50C-407E-A947-70E740481C1C}">
                 <a14:useLocalDpi xmlns:a14="http://schemas.microsoft.com/office/drawing/2010/main" val="0"/>
@@ -28757,7 +28711,7 @@
           <p:nvPr/>
         </p:nvPicPr>
         <p:blipFill rotWithShape="1">
-          <a:blip r:embed="rId16">
+          <a:blip r:embed="rId15">
             <a:extLst>
               <a:ext uri="{28A0092B-C50C-407E-A947-70E740481C1C}">
                 <a14:useLocalDpi xmlns:a14="http://schemas.microsoft.com/office/drawing/2010/main" val="0"/>
@@ -28796,6 +28750,36 @@
           </a:p>
         </p:txBody>
       </p:sp>
+      <p:pic>
+        <p:nvPicPr>
+          <p:cNvPr id="19" name="Picture 18"/>
+          <p:cNvPicPr>
+            <a:picLocks noChangeAspect="1"/>
+          </p:cNvPicPr>
+          <p:nvPr/>
+        </p:nvPicPr>
+        <p:blipFill>
+          <a:blip r:embed="rId16">
+            <a:extLst>
+              <a:ext uri="{28A0092B-C50C-407E-A947-70E740481C1C}">
+                <a14:useLocalDpi xmlns:a14="http://schemas.microsoft.com/office/drawing/2010/main" val="0"/>
+              </a:ext>
+            </a:extLst>
+          </a:blip>
+          <a:stretch>
+            <a:fillRect/>
+          </a:stretch>
+        </p:blipFill>
+        <p:spPr>
+          <a:xfrm>
+            <a:off x="1187728" y="14062803"/>
+            <a:ext cx="8622284" cy="5323947"/>
+          </a:xfrm>
+          <a:prstGeom prst="rect">
+            <a:avLst/>
+          </a:prstGeom>
+        </p:spPr>
+      </p:pic>
     </p:spTree>
     <p:extLst>
       <p:ext uri="{BB962C8B-B14F-4D97-AF65-F5344CB8AC3E}">

--- a/Poster/Poster_Yilun_Dai.pptx
+++ b/Poster/Poster_Yilun_Dai.pptx
@@ -282,7 +282,7 @@
             <a:fld id="{0158C5BC-9A70-462C-B28D-9600239EAC64}" type="datetimeFigureOut">
               <a:rPr lang="en-US" smtClean="0"/>
               <a:pPr/>
-              <a:t>5/29/18</a:t>
+              <a:t>5/30/18</a:t>
             </a:fld>
             <a:endParaRPr lang="en-US"/>
           </a:p>
@@ -449,7 +449,7 @@
             <a:fld id="{E6CC2317-6751-4CD4-9995-8782DD78E936}" type="datetimeFigureOut">
               <a:rPr lang="en-US" smtClean="0"/>
               <a:pPr/>
-              <a:t>5/29/18</a:t>
+              <a:t>5/30/18</a:t>
             </a:fld>
             <a:endParaRPr lang="en-US" dirty="0"/>
           </a:p>
@@ -5064,7 +5064,7 @@
               <a:graphicData uri="http://schemas.openxmlformats.org/presentationml/2006/ole">
                 <mc:AlternateContent xmlns:mc="http://schemas.openxmlformats.org/markup-compatibility/2006">
                   <mc:Choice xmlns:v="urn:schemas-microsoft-com:vml" Requires="v">
-                    <p:oleObj spid="_x0000_s1303" name="Image" r:id="rId8" imgW="1828440" imgH="1117440" progId="Photoshop.Image.13">
+                    <p:oleObj spid="_x0000_s1308" name="Image" r:id="rId8" imgW="1828440" imgH="1117440" progId="Photoshop.Image.13">
                       <p:embed/>
                     </p:oleObj>
                   </mc:Choice>
@@ -5121,7 +5121,7 @@
               <a:graphicData uri="http://schemas.openxmlformats.org/presentationml/2006/ole">
                 <mc:AlternateContent xmlns:mc="http://schemas.openxmlformats.org/markup-compatibility/2006">
                   <mc:Choice xmlns:v="urn:schemas-microsoft-com:vml" Requires="v">
-                    <p:oleObj spid="_x0000_s1304" name="Image" r:id="rId10" imgW="1828440" imgH="1117440" progId="Photoshop.Image.13">
+                    <p:oleObj spid="_x0000_s1309" name="Image" r:id="rId10" imgW="1828440" imgH="1117440" progId="Photoshop.Image.13">
                       <p:embed/>
                     </p:oleObj>
                   </mc:Choice>
@@ -6249,7 +6249,7 @@
             <a:graphicData uri="http://schemas.openxmlformats.org/presentationml/2006/ole">
               <mc:AlternateContent xmlns:mc="http://schemas.openxmlformats.org/markup-compatibility/2006">
                 <mc:Choice xmlns:v="urn:schemas-microsoft-com:vml" Requires="v">
-                  <p:oleObj spid="_x0000_s1305" name="Image" r:id="rId12" imgW="4571280" imgH="1688760" progId="Photoshop.Image.13">
+                  <p:oleObj spid="_x0000_s1310" name="Image" r:id="rId12" imgW="4571280" imgH="1688760" progId="Photoshop.Image.13">
                     <p:embed/>
                   </p:oleObj>
                 </mc:Choice>
@@ -6333,7 +6333,7 @@
             <a:graphicData uri="http://schemas.openxmlformats.org/presentationml/2006/ole">
               <mc:AlternateContent xmlns:mc="http://schemas.openxmlformats.org/markup-compatibility/2006">
                 <mc:Choice xmlns:v="urn:schemas-microsoft-com:vml" Requires="v">
-                  <p:oleObj spid="_x0000_s1306" name="Image" r:id="rId15" imgW="1574280" imgH="1053720" progId="Photoshop.Image.13">
+                  <p:oleObj spid="_x0000_s1311" name="Image" r:id="rId15" imgW="1574280" imgH="1053720" progId="Photoshop.Image.13">
                     <p:embed/>
                   </p:oleObj>
                 </mc:Choice>
@@ -12420,7 +12420,7 @@
             <a:graphicData uri="http://schemas.openxmlformats.org/presentationml/2006/ole">
               <mc:AlternateContent xmlns:mc="http://schemas.openxmlformats.org/markup-compatibility/2006">
                 <mc:Choice xmlns:v="urn:schemas-microsoft-com:vml" Requires="v">
-                  <p:oleObj spid="_x0000_s2311" name="Image" r:id="rId4" imgW="4571280" imgH="1688760" progId="Photoshop.Image.13">
+                  <p:oleObj spid="_x0000_s2316" name="Image" r:id="rId4" imgW="4571280" imgH="1688760" progId="Photoshop.Image.13">
                     <p:embed/>
                   </p:oleObj>
                 </mc:Choice>
@@ -12504,7 +12504,7 @@
             <a:graphicData uri="http://schemas.openxmlformats.org/presentationml/2006/ole">
               <mc:AlternateContent xmlns:mc="http://schemas.openxmlformats.org/markup-compatibility/2006">
                 <mc:Choice xmlns:v="urn:schemas-microsoft-com:vml" Requires="v">
-                  <p:oleObj spid="_x0000_s2312" name="Image" r:id="rId7" imgW="1574280" imgH="1053720" progId="Photoshop.Image.13">
+                  <p:oleObj spid="_x0000_s2317" name="Image" r:id="rId7" imgW="1574280" imgH="1053720" progId="Photoshop.Image.13">
                     <p:embed/>
                   </p:oleObj>
                 </mc:Choice>
@@ -14044,7 +14044,7 @@
               <a:graphicData uri="http://schemas.openxmlformats.org/presentationml/2006/ole">
                 <mc:AlternateContent xmlns:mc="http://schemas.openxmlformats.org/markup-compatibility/2006">
                   <mc:Choice xmlns:v="urn:schemas-microsoft-com:vml" Requires="v">
-                    <p:oleObj spid="_x0000_s2313" name="Image" r:id="rId15" imgW="1828440" imgH="1117440" progId="Photoshop.Image.13">
+                    <p:oleObj spid="_x0000_s2318" name="Image" r:id="rId15" imgW="1828440" imgH="1117440" progId="Photoshop.Image.13">
                       <p:embed/>
                     </p:oleObj>
                   </mc:Choice>
@@ -14101,7 +14101,7 @@
               <a:graphicData uri="http://schemas.openxmlformats.org/presentationml/2006/ole">
                 <mc:AlternateContent xmlns:mc="http://schemas.openxmlformats.org/markup-compatibility/2006">
                   <mc:Choice xmlns:v="urn:schemas-microsoft-com:vml" Requires="v">
-                    <p:oleObj spid="_x0000_s2314" name="Image" r:id="rId17" imgW="1828440" imgH="1117440" progId="Photoshop.Image.13">
+                    <p:oleObj spid="_x0000_s2319" name="Image" r:id="rId17" imgW="1828440" imgH="1117440" progId="Photoshop.Image.13">
                       <p:embed/>
                     </p:oleObj>
                   </mc:Choice>
@@ -20063,7 +20063,7 @@
             <a:graphicData uri="http://schemas.openxmlformats.org/presentationml/2006/ole">
               <mc:AlternateContent xmlns:mc="http://schemas.openxmlformats.org/markup-compatibility/2006">
                 <mc:Choice xmlns:v="urn:schemas-microsoft-com:vml" Requires="v">
-                  <p:oleObj spid="_x0000_s3331" name="Image" r:id="rId4" imgW="4571280" imgH="1688760" progId="Photoshop.Image.13">
+                  <p:oleObj spid="_x0000_s3336" name="Image" r:id="rId4" imgW="4571280" imgH="1688760" progId="Photoshop.Image.13">
                     <p:embed/>
                   </p:oleObj>
                 </mc:Choice>
@@ -20147,7 +20147,7 @@
             <a:graphicData uri="http://schemas.openxmlformats.org/presentationml/2006/ole">
               <mc:AlternateContent xmlns:mc="http://schemas.openxmlformats.org/markup-compatibility/2006">
                 <mc:Choice xmlns:v="urn:schemas-microsoft-com:vml" Requires="v">
-                  <p:oleObj spid="_x0000_s3332" name="Image" r:id="rId7" imgW="1574280" imgH="1053720" progId="Photoshop.Image.13">
+                  <p:oleObj spid="_x0000_s3337" name="Image" r:id="rId7" imgW="1574280" imgH="1053720" progId="Photoshop.Image.13">
                     <p:embed/>
                   </p:oleObj>
                 </mc:Choice>
@@ -21687,7 +21687,7 @@
               <a:graphicData uri="http://schemas.openxmlformats.org/presentationml/2006/ole">
                 <mc:AlternateContent xmlns:mc="http://schemas.openxmlformats.org/markup-compatibility/2006">
                   <mc:Choice xmlns:v="urn:schemas-microsoft-com:vml" Requires="v">
-                    <p:oleObj spid="_x0000_s3333" name="Image" r:id="rId15" imgW="1828440" imgH="1117440" progId="Photoshop.Image.13">
+                    <p:oleObj spid="_x0000_s3338" name="Image" r:id="rId15" imgW="1828440" imgH="1117440" progId="Photoshop.Image.13">
                       <p:embed/>
                     </p:oleObj>
                   </mc:Choice>
@@ -21744,7 +21744,7 @@
               <a:graphicData uri="http://schemas.openxmlformats.org/presentationml/2006/ole">
                 <mc:AlternateContent xmlns:mc="http://schemas.openxmlformats.org/markup-compatibility/2006">
                   <mc:Choice xmlns:v="urn:schemas-microsoft-com:vml" Requires="v">
-                    <p:oleObj spid="_x0000_s3334" name="Image" r:id="rId17" imgW="1828440" imgH="1117440" progId="Photoshop.Image.13">
+                    <p:oleObj spid="_x0000_s3339" name="Image" r:id="rId17" imgW="1828440" imgH="1117440" progId="Photoshop.Image.13">
                       <p:embed/>
                     </p:oleObj>
                   </mc:Choice>
@@ -27680,19 +27680,7 @@
             </a:r>
             <a:r>
               <a:rPr lang="en-US" dirty="0" smtClean="0"/>
-              <a:t>TOLERANT </a:t>
-            </a:r>
-            <a:r>
-              <a:rPr lang="en-US" dirty="0" smtClean="0"/>
-              <a:t>OF</a:t>
-            </a:r>
-            <a:r>
-              <a:rPr lang="en-US" dirty="0" smtClean="0"/>
-              <a:t> </a:t>
-            </a:r>
-            <a:r>
-              <a:rPr lang="en-US" dirty="0" smtClean="0"/>
-              <a:t>ZAO LIAN</a:t>
+              <a:t>TOLERANT OF ZAO LIAN</a:t>
             </a:r>
           </a:p>
           <a:p>
@@ -28630,15 +28618,27 @@
             </a:r>
             <a:r>
               <a:rPr lang="en-US" sz="2500" smtClean="0"/>
+              <a:t>, random</a:t>
+            </a:r>
+            <a:r>
+              <a:rPr lang="en-US" sz="2500" dirty="0" smtClean="0"/>
               <a:t>, </a:t>
             </a:r>
             <a:r>
               <a:rPr lang="en-US" sz="2500" smtClean="0"/>
-              <a:t>random</a:t>
+              <a:t>and </a:t>
+            </a:r>
+            <a:r>
+              <a:rPr lang="en-US" sz="2500" smtClean="0"/>
+              <a:t>they do</a:t>
+            </a:r>
+            <a:r>
+              <a:rPr lang="en-US" sz="2500" smtClean="0"/>
+              <a:t> </a:t>
             </a:r>
             <a:r>
               <a:rPr lang="en-US" sz="2500" dirty="0" smtClean="0"/>
-              <a:t>, and to not break in later steps. </a:t>
+              <a:t>not break in later steps. </a:t>
             </a:r>
             <a:endParaRPr lang="en-US" sz="2500" dirty="0"/>
           </a:p>
